--- a/snapserver_pipe/logo.pptx
+++ b/snapserver_pipe/logo.pptx
@@ -3510,8 +3510,8 @@
         </p:blipFill>
         <p:spPr>
           <a:xfrm>
-            <a:off x="6873615" y="4388162"/>
-            <a:ext cx="1143000" cy="1143000"/>
+            <a:off x="6495803" y="4388162"/>
+            <a:ext cx="1520812" cy="1520812"/>
           </a:xfrm>
           <a:prstGeom prst="rect">
             <a:avLst/>
@@ -3556,7 +3556,7 @@
         </p:blipFill>
         <p:spPr bwMode="auto">
           <a:xfrm rot="21108874">
-            <a:off x="7403310" y="4449624"/>
+            <a:off x="7177678" y="4612696"/>
             <a:ext cx="929927" cy="929927"/>
           </a:xfrm>
           <a:prstGeom prst="rect">
@@ -3661,10 +3661,10 @@
       </p:pic>
       <p:pic>
         <p:nvPicPr>
-          <p:cNvPr id="5" name="Picture 4">
-            <a:extLst>
-              <a:ext uri="{FF2B5EF4-FFF2-40B4-BE49-F238E27FC236}">
-                <a16:creationId xmlns:a16="http://schemas.microsoft.com/office/drawing/2014/main" id="{99ECC992-3AD9-AF77-FDB8-5950055A2C00}"/>
+          <p:cNvPr id="2" name="Picture 1">
+            <a:extLst>
+              <a:ext uri="{FF2B5EF4-FFF2-40B4-BE49-F238E27FC236}">
+                <a16:creationId xmlns:a16="http://schemas.microsoft.com/office/drawing/2014/main" id="{B2FF0EDC-733D-8CC3-0CA6-F0E6D6BB78A1}"/>
               </a:ext>
             </a:extLst>
           </p:cNvPr>
@@ -3675,13 +3675,13 @@
         </p:nvPicPr>
         <p:blipFill>
           <a:blip r:embed="rId7"/>
-          <a:srcRect r="11787"/>
+          <a:srcRect l="8856" t="5887" r="10882" b="6692"/>
           <a:stretch/>
         </p:blipFill>
         <p:spPr>
           <a:xfrm>
-            <a:off x="8016615" y="2482022"/>
-            <a:ext cx="1809310" cy="1555400"/>
+            <a:off x="4987636" y="4107382"/>
+            <a:ext cx="1355713" cy="1343392"/>
           </a:xfrm>
           <a:prstGeom prst="rect">
             <a:avLst/>
